--- a/Documentação/LLD.pptx
+++ b/Documentação/LLD.pptx
@@ -104,6 +104,11 @@
       </a:defRPr>
     </a:lvl9pPr>
   </p:defaultTextStyle>
+  <p:extLst>
+    <p:ext uri="{EFAFB233-063F-42B5-8137-9DF3F51BA10A}">
+      <p15:sldGuideLst xmlns:p15="http://schemas.microsoft.com/office/powerpoint/2012/main"/>
+    </p:ext>
+  </p:extLst>
 </p:presentation>
 </file>
 
@@ -254,7 +259,7 @@
           <a:p>
             <a:fld id="{A5EDBA33-F63B-4040-8614-9FA8193BAE3A}" type="datetimeFigureOut">
               <a:rPr lang="pt-BR" smtClean="0"/>
-              <a:t>01/09/2021</a:t>
+              <a:t>03/09/2021</a:t>
             </a:fld>
             <a:endParaRPr lang="pt-BR"/>
           </a:p>
@@ -308,7 +313,7 @@
           <a:p>
             <a:fld id="{49AD9114-BBA3-4DAE-BFA8-EF02150A3FE3}" type="slidenum">
               <a:rPr lang="pt-BR" smtClean="0"/>
-              <a:t>‹nº›</a:t>
+              <a:t>‹#›</a:t>
             </a:fld>
             <a:endParaRPr lang="pt-BR"/>
           </a:p>
@@ -452,7 +457,7 @@
           <a:p>
             <a:fld id="{A5EDBA33-F63B-4040-8614-9FA8193BAE3A}" type="datetimeFigureOut">
               <a:rPr lang="pt-BR" smtClean="0"/>
-              <a:t>01/09/2021</a:t>
+              <a:t>03/09/2021</a:t>
             </a:fld>
             <a:endParaRPr lang="pt-BR"/>
           </a:p>
@@ -506,7 +511,7 @@
           <a:p>
             <a:fld id="{49AD9114-BBA3-4DAE-BFA8-EF02150A3FE3}" type="slidenum">
               <a:rPr lang="pt-BR" smtClean="0"/>
-              <a:t>‹nº›</a:t>
+              <a:t>‹#›</a:t>
             </a:fld>
             <a:endParaRPr lang="pt-BR"/>
           </a:p>
@@ -660,7 +665,7 @@
           <a:p>
             <a:fld id="{A5EDBA33-F63B-4040-8614-9FA8193BAE3A}" type="datetimeFigureOut">
               <a:rPr lang="pt-BR" smtClean="0"/>
-              <a:t>01/09/2021</a:t>
+              <a:t>03/09/2021</a:t>
             </a:fld>
             <a:endParaRPr lang="pt-BR"/>
           </a:p>
@@ -714,7 +719,7 @@
           <a:p>
             <a:fld id="{49AD9114-BBA3-4DAE-BFA8-EF02150A3FE3}" type="slidenum">
               <a:rPr lang="pt-BR" smtClean="0"/>
-              <a:t>‹nº›</a:t>
+              <a:t>‹#›</a:t>
             </a:fld>
             <a:endParaRPr lang="pt-BR"/>
           </a:p>
@@ -858,7 +863,7 @@
           <a:p>
             <a:fld id="{A5EDBA33-F63B-4040-8614-9FA8193BAE3A}" type="datetimeFigureOut">
               <a:rPr lang="pt-BR" smtClean="0"/>
-              <a:t>01/09/2021</a:t>
+              <a:t>03/09/2021</a:t>
             </a:fld>
             <a:endParaRPr lang="pt-BR"/>
           </a:p>
@@ -912,7 +917,7 @@
           <a:p>
             <a:fld id="{49AD9114-BBA3-4DAE-BFA8-EF02150A3FE3}" type="slidenum">
               <a:rPr lang="pt-BR" smtClean="0"/>
-              <a:t>‹nº›</a:t>
+              <a:t>‹#›</a:t>
             </a:fld>
             <a:endParaRPr lang="pt-BR"/>
           </a:p>
@@ -1133,7 +1138,7 @@
           <a:p>
             <a:fld id="{A5EDBA33-F63B-4040-8614-9FA8193BAE3A}" type="datetimeFigureOut">
               <a:rPr lang="pt-BR" smtClean="0"/>
-              <a:t>01/09/2021</a:t>
+              <a:t>03/09/2021</a:t>
             </a:fld>
             <a:endParaRPr lang="pt-BR"/>
           </a:p>
@@ -1187,7 +1192,7 @@
           <a:p>
             <a:fld id="{49AD9114-BBA3-4DAE-BFA8-EF02150A3FE3}" type="slidenum">
               <a:rPr lang="pt-BR" smtClean="0"/>
-              <a:t>‹nº›</a:t>
+              <a:t>‹#›</a:t>
             </a:fld>
             <a:endParaRPr lang="pt-BR"/>
           </a:p>
@@ -1398,7 +1403,7 @@
           <a:p>
             <a:fld id="{A5EDBA33-F63B-4040-8614-9FA8193BAE3A}" type="datetimeFigureOut">
               <a:rPr lang="pt-BR" smtClean="0"/>
-              <a:t>01/09/2021</a:t>
+              <a:t>03/09/2021</a:t>
             </a:fld>
             <a:endParaRPr lang="pt-BR"/>
           </a:p>
@@ -1452,7 +1457,7 @@
           <a:p>
             <a:fld id="{49AD9114-BBA3-4DAE-BFA8-EF02150A3FE3}" type="slidenum">
               <a:rPr lang="pt-BR" smtClean="0"/>
-              <a:t>‹nº›</a:t>
+              <a:t>‹#›</a:t>
             </a:fld>
             <a:endParaRPr lang="pt-BR"/>
           </a:p>
@@ -1810,7 +1815,7 @@
           <a:p>
             <a:fld id="{A5EDBA33-F63B-4040-8614-9FA8193BAE3A}" type="datetimeFigureOut">
               <a:rPr lang="pt-BR" smtClean="0"/>
-              <a:t>01/09/2021</a:t>
+              <a:t>03/09/2021</a:t>
             </a:fld>
             <a:endParaRPr lang="pt-BR"/>
           </a:p>
@@ -1864,7 +1869,7 @@
           <a:p>
             <a:fld id="{49AD9114-BBA3-4DAE-BFA8-EF02150A3FE3}" type="slidenum">
               <a:rPr lang="pt-BR" smtClean="0"/>
-              <a:t>‹nº›</a:t>
+              <a:t>‹#›</a:t>
             </a:fld>
             <a:endParaRPr lang="pt-BR"/>
           </a:p>
@@ -1951,7 +1956,7 @@
           <a:p>
             <a:fld id="{A5EDBA33-F63B-4040-8614-9FA8193BAE3A}" type="datetimeFigureOut">
               <a:rPr lang="pt-BR" smtClean="0"/>
-              <a:t>01/09/2021</a:t>
+              <a:t>03/09/2021</a:t>
             </a:fld>
             <a:endParaRPr lang="pt-BR"/>
           </a:p>
@@ -2005,7 +2010,7 @@
           <a:p>
             <a:fld id="{49AD9114-BBA3-4DAE-BFA8-EF02150A3FE3}" type="slidenum">
               <a:rPr lang="pt-BR" smtClean="0"/>
-              <a:t>‹nº›</a:t>
+              <a:t>‹#›</a:t>
             </a:fld>
             <a:endParaRPr lang="pt-BR"/>
           </a:p>
@@ -2064,7 +2069,7 @@
           <a:p>
             <a:fld id="{A5EDBA33-F63B-4040-8614-9FA8193BAE3A}" type="datetimeFigureOut">
               <a:rPr lang="pt-BR" smtClean="0"/>
-              <a:t>01/09/2021</a:t>
+              <a:t>03/09/2021</a:t>
             </a:fld>
             <a:endParaRPr lang="pt-BR"/>
           </a:p>
@@ -2118,7 +2123,7 @@
           <a:p>
             <a:fld id="{49AD9114-BBA3-4DAE-BFA8-EF02150A3FE3}" type="slidenum">
               <a:rPr lang="pt-BR" smtClean="0"/>
-              <a:t>‹nº›</a:t>
+              <a:t>‹#›</a:t>
             </a:fld>
             <a:endParaRPr lang="pt-BR"/>
           </a:p>
@@ -2375,7 +2380,7 @@
           <a:p>
             <a:fld id="{A5EDBA33-F63B-4040-8614-9FA8193BAE3A}" type="datetimeFigureOut">
               <a:rPr lang="pt-BR" smtClean="0"/>
-              <a:t>01/09/2021</a:t>
+              <a:t>03/09/2021</a:t>
             </a:fld>
             <a:endParaRPr lang="pt-BR"/>
           </a:p>
@@ -2429,7 +2434,7 @@
           <a:p>
             <a:fld id="{49AD9114-BBA3-4DAE-BFA8-EF02150A3FE3}" type="slidenum">
               <a:rPr lang="pt-BR" smtClean="0"/>
-              <a:t>‹nº›</a:t>
+              <a:t>‹#›</a:t>
             </a:fld>
             <a:endParaRPr lang="pt-BR"/>
           </a:p>
@@ -2663,7 +2668,7 @@
           <a:p>
             <a:fld id="{A5EDBA33-F63B-4040-8614-9FA8193BAE3A}" type="datetimeFigureOut">
               <a:rPr lang="pt-BR" smtClean="0"/>
-              <a:t>01/09/2021</a:t>
+              <a:t>03/09/2021</a:t>
             </a:fld>
             <a:endParaRPr lang="pt-BR"/>
           </a:p>
@@ -2717,7 +2722,7 @@
           <a:p>
             <a:fld id="{49AD9114-BBA3-4DAE-BFA8-EF02150A3FE3}" type="slidenum">
               <a:rPr lang="pt-BR" smtClean="0"/>
-              <a:t>‹nº›</a:t>
+              <a:t>‹#›</a:t>
             </a:fld>
             <a:endParaRPr lang="pt-BR"/>
           </a:p>
@@ -2904,7 +2909,7 @@
           <a:p>
             <a:fld id="{A5EDBA33-F63B-4040-8614-9FA8193BAE3A}" type="datetimeFigureOut">
               <a:rPr lang="pt-BR" smtClean="0"/>
-              <a:t>01/09/2021</a:t>
+              <a:t>03/09/2021</a:t>
             </a:fld>
             <a:endParaRPr lang="pt-BR"/>
           </a:p>
@@ -2994,7 +2999,7 @@
           <a:p>
             <a:fld id="{49AD9114-BBA3-4DAE-BFA8-EF02150A3FE3}" type="slidenum">
               <a:rPr lang="pt-BR" smtClean="0"/>
-              <a:t>‹nº›</a:t>
+              <a:t>‹#›</a:t>
             </a:fld>
             <a:endParaRPr lang="pt-BR"/>
           </a:p>
@@ -3434,7 +3439,7 @@
         </p:blipFill>
         <p:spPr>
           <a:xfrm>
-            <a:off x="10138532" y="4704951"/>
+            <a:off x="10106315" y="4980214"/>
             <a:ext cx="571189" cy="596688"/>
           </a:xfrm>
           <a:prstGeom prst="rect">
@@ -3820,7 +3825,7 @@
         </p:blipFill>
         <p:spPr bwMode="auto">
           <a:xfrm>
-            <a:off x="5125472" y="476820"/>
+            <a:off x="5141118" y="549323"/>
             <a:ext cx="1785295" cy="516062"/>
           </a:xfrm>
           <a:prstGeom prst="rect">
@@ -4100,149 +4105,134 @@
           </a:p>
         </p:txBody>
       </p:sp>
-      <p:pic>
-        <p:nvPicPr>
-          <p:cNvPr id="1030" name="Picture 6" descr="Computador grátis ícone">
-            <a:extLst>
-              <a:ext uri="{FF2B5EF4-FFF2-40B4-BE49-F238E27FC236}">
-                <a16:creationId xmlns:a16="http://schemas.microsoft.com/office/drawing/2014/main" id="{CEF3719B-D751-4B63-8D4C-0333A5ABA674}"/>
-              </a:ext>
-            </a:extLst>
-          </p:cNvPr>
-          <p:cNvPicPr>
-            <a:picLocks noChangeAspect="1" noChangeArrowheads="1"/>
-          </p:cNvPicPr>
+      <p:grpSp>
+        <p:nvGrpSpPr>
+          <p:cNvPr id="27" name="Group 26">
+            <a:extLst>
+              <a:ext uri="{FF2B5EF4-FFF2-40B4-BE49-F238E27FC236}">
+                <a16:creationId xmlns:a16="http://schemas.microsoft.com/office/drawing/2014/main" id="{ABC52613-8EAC-4873-9D1F-4EDC4F00B622}"/>
+              </a:ext>
+            </a:extLst>
+          </p:cNvPr>
+          <p:cNvGrpSpPr/>
           <p:nvPr/>
-        </p:nvPicPr>
-        <p:blipFill>
-          <a:blip r:embed="rId12">
-            <a:extLst>
-              <a:ext uri="{28A0092B-C50C-407E-A947-70E740481C1C}">
-                <a14:useLocalDpi xmlns:a14="http://schemas.microsoft.com/office/drawing/2010/main" val="0"/>
-              </a:ext>
-            </a:extLst>
-          </a:blip>
-          <a:srcRect/>
-          <a:stretch>
-            <a:fillRect/>
-          </a:stretch>
-        </p:blipFill>
-        <p:spPr bwMode="auto">
-          <a:xfrm>
-            <a:off x="2201619" y="5810196"/>
-            <a:ext cx="882463" cy="882463"/>
-          </a:xfrm>
-          <a:prstGeom prst="rect">
-            <a:avLst/>
-          </a:prstGeom>
-          <a:noFill/>
-          <a:extLst>
-            <a:ext uri="{909E8E84-426E-40DD-AFC4-6F175D3DCCD1}">
-              <a14:hiddenFill xmlns:a14="http://schemas.microsoft.com/office/drawing/2010/main">
-                <a:solidFill>
-                  <a:srgbClr val="FFFFFF"/>
-                </a:solidFill>
-              </a14:hiddenFill>
-            </a:ext>
-          </a:extLst>
-        </p:spPr>
-      </p:pic>
-      <p:pic>
-        <p:nvPicPr>
-          <p:cNvPr id="23" name="Imagem 22" descr="Ícone&#10;&#10;Descrição gerada automaticamente">
-            <a:extLst>
-              <a:ext uri="{FF2B5EF4-FFF2-40B4-BE49-F238E27FC236}">
-                <a16:creationId xmlns:a16="http://schemas.microsoft.com/office/drawing/2014/main" id="{712F3B38-B359-4F97-AE6E-B8F32E24A368}"/>
-              </a:ext>
-            </a:extLst>
-          </p:cNvPr>
-          <p:cNvPicPr>
-            <a:picLocks noChangeAspect="1"/>
-          </p:cNvPicPr>
-          <p:nvPr/>
-        </p:nvPicPr>
-        <p:blipFill>
-          <a:blip r:embed="rId13">
-            <a:extLst>
-              <a:ext uri="{28A0092B-C50C-407E-A947-70E740481C1C}">
-                <a14:useLocalDpi xmlns:a14="http://schemas.microsoft.com/office/drawing/2010/main" val="0"/>
-              </a:ext>
-            </a:extLst>
-          </a:blip>
-          <a:stretch>
-            <a:fillRect/>
-          </a:stretch>
-        </p:blipFill>
-        <p:spPr>
-          <a:xfrm>
-            <a:off x="1026071" y="3475559"/>
-            <a:ext cx="556060" cy="553312"/>
-          </a:xfrm>
-          <a:prstGeom prst="rect">
-            <a:avLst/>
-          </a:prstGeom>
-        </p:spPr>
-      </p:pic>
-      <p:sp>
-        <p:nvSpPr>
-          <p:cNvPr id="28" name="CaixaDeTexto 27">
-            <a:extLst>
-              <a:ext uri="{FF2B5EF4-FFF2-40B4-BE49-F238E27FC236}">
-                <a16:creationId xmlns:a16="http://schemas.microsoft.com/office/drawing/2014/main" id="{A6E0FEAE-0BCC-45A7-8071-32FF3E44E9C0}"/>
-              </a:ext>
-            </a:extLst>
-          </p:cNvPr>
-          <p:cNvSpPr txBox="1"/>
-          <p:nvPr/>
-        </p:nvSpPr>
-        <p:spPr>
-          <a:xfrm>
-            <a:off x="3134779" y="5836738"/>
-            <a:ext cx="1391728" cy="923330"/>
-          </a:xfrm>
-          <a:prstGeom prst="rect">
-            <a:avLst/>
-          </a:prstGeom>
-          <a:solidFill>
-            <a:srgbClr val="FFFFFF"/>
-          </a:solidFill>
-        </p:spPr>
-        <p:txBody>
-          <a:bodyPr wrap="none" rtlCol="0">
-            <a:spAutoFit/>
-          </a:bodyPr>
-          <a:lstStyle/>
-          <a:p>
-            <a:pPr algn="ctr"/>
-            <a:r>
-              <a:rPr lang="pt-BR" b="1" dirty="0"/>
-              <a:t>i5 – 8th </a:t>
-            </a:r>
-            <a:r>
-              <a:rPr lang="pt-BR" b="1" dirty="0" err="1"/>
-              <a:t>Gen</a:t>
-            </a:r>
-            <a:r>
-              <a:rPr lang="pt-BR" b="1" dirty="0"/>
-              <a:t> </a:t>
-            </a:r>
-          </a:p>
-          <a:p>
-            <a:pPr algn="ctr"/>
-            <a:r>
-              <a:rPr lang="pt-BR" b="1" dirty="0"/>
-              <a:t>8Gb RAM </a:t>
-            </a:r>
-          </a:p>
-          <a:p>
-            <a:pPr algn="ctr"/>
-            <a:r>
-              <a:rPr lang="pt-BR" b="1" dirty="0"/>
-              <a:t>SSD 256Gb</a:t>
-            </a:r>
-          </a:p>
-        </p:txBody>
-      </p:sp>
+        </p:nvGrpSpPr>
+        <p:grpSpPr>
+          <a:xfrm>
+            <a:off x="2045280" y="5823467"/>
+            <a:ext cx="2324888" cy="949872"/>
+            <a:chOff x="2201619" y="5810196"/>
+            <a:chExt cx="2324888" cy="949872"/>
+          </a:xfrm>
+        </p:grpSpPr>
+        <p:pic>
+          <p:nvPicPr>
+            <p:cNvPr id="1030" name="Picture 6" descr="Computador grátis ícone">
+              <a:extLst>
+                <a:ext uri="{FF2B5EF4-FFF2-40B4-BE49-F238E27FC236}">
+                  <a16:creationId xmlns:a16="http://schemas.microsoft.com/office/drawing/2014/main" id="{CEF3719B-D751-4B63-8D4C-0333A5ABA674}"/>
+                </a:ext>
+              </a:extLst>
+            </p:cNvPr>
+            <p:cNvPicPr>
+              <a:picLocks noChangeAspect="1" noChangeArrowheads="1"/>
+            </p:cNvPicPr>
+            <p:nvPr/>
+          </p:nvPicPr>
+          <p:blipFill>
+            <a:blip r:embed="rId12">
+              <a:extLst>
+                <a:ext uri="{28A0092B-C50C-407E-A947-70E740481C1C}">
+                  <a14:useLocalDpi xmlns:a14="http://schemas.microsoft.com/office/drawing/2010/main" val="0"/>
+                </a:ext>
+              </a:extLst>
+            </a:blip>
+            <a:srcRect/>
+            <a:stretch>
+              <a:fillRect/>
+            </a:stretch>
+          </p:blipFill>
+          <p:spPr bwMode="auto">
+            <a:xfrm>
+              <a:off x="2201619" y="5810196"/>
+              <a:ext cx="882463" cy="882463"/>
+            </a:xfrm>
+            <a:prstGeom prst="rect">
+              <a:avLst/>
+            </a:prstGeom>
+            <a:noFill/>
+            <a:extLst>
+              <a:ext uri="{909E8E84-426E-40DD-AFC4-6F175D3DCCD1}">
+                <a14:hiddenFill xmlns:a14="http://schemas.microsoft.com/office/drawing/2010/main">
+                  <a:solidFill>
+                    <a:srgbClr val="FFFFFF"/>
+                  </a:solidFill>
+                </a14:hiddenFill>
+              </a:ext>
+            </a:extLst>
+          </p:spPr>
+        </p:pic>
+        <p:sp>
+          <p:nvSpPr>
+            <p:cNvPr id="28" name="CaixaDeTexto 27">
+              <a:extLst>
+                <a:ext uri="{FF2B5EF4-FFF2-40B4-BE49-F238E27FC236}">
+                  <a16:creationId xmlns:a16="http://schemas.microsoft.com/office/drawing/2014/main" id="{A6E0FEAE-0BCC-45A7-8071-32FF3E44E9C0}"/>
+                </a:ext>
+              </a:extLst>
+            </p:cNvPr>
+            <p:cNvSpPr txBox="1"/>
+            <p:nvPr/>
+          </p:nvSpPr>
+          <p:spPr>
+            <a:xfrm>
+              <a:off x="3134779" y="5836738"/>
+              <a:ext cx="1391728" cy="923330"/>
+            </a:xfrm>
+            <a:prstGeom prst="rect">
+              <a:avLst/>
+            </a:prstGeom>
+            <a:solidFill>
+              <a:srgbClr val="FFFFFF"/>
+            </a:solidFill>
+          </p:spPr>
+          <p:txBody>
+            <a:bodyPr wrap="none" rtlCol="0">
+              <a:spAutoFit/>
+            </a:bodyPr>
+            <a:lstStyle/>
+            <a:p>
+              <a:pPr algn="ctr"/>
+              <a:r>
+                <a:rPr lang="pt-BR" b="1" dirty="0"/>
+                <a:t>i5 – 8th </a:t>
+              </a:r>
+              <a:r>
+                <a:rPr lang="pt-BR" b="1" dirty="0" err="1"/>
+                <a:t>Gen</a:t>
+              </a:r>
+              <a:r>
+                <a:rPr lang="pt-BR" b="1" dirty="0"/>
+                <a:t> </a:t>
+              </a:r>
+            </a:p>
+            <a:p>
+              <a:pPr algn="ctr"/>
+              <a:r>
+                <a:rPr lang="pt-BR" b="1" dirty="0"/>
+                <a:t>8Gb RAM </a:t>
+              </a:r>
+            </a:p>
+            <a:p>
+              <a:pPr algn="ctr"/>
+              <a:r>
+                <a:rPr lang="pt-BR" b="1" dirty="0"/>
+                <a:t>SSD 256Gb</a:t>
+              </a:r>
+            </a:p>
+          </p:txBody>
+        </p:sp>
+      </p:grpSp>
       <p:cxnSp>
         <p:nvCxnSpPr>
           <p:cNvPr id="29" name="Conector de Seta Reta 28">
@@ -4306,7 +4296,7 @@
           <p:nvPr/>
         </p:nvPicPr>
         <p:blipFill>
-          <a:blip r:embed="rId14">
+          <a:blip r:embed="rId13">
             <a:extLst>
               <a:ext uri="{28A0092B-C50C-407E-A947-70E740481C1C}">
                 <a14:useLocalDpi xmlns:a14="http://schemas.microsoft.com/office/drawing/2010/main" val="0"/>
@@ -4353,7 +4343,7 @@
           <p:nvPr/>
         </p:nvPicPr>
         <p:blipFill>
-          <a:blip r:embed="rId14">
+          <a:blip r:embed="rId13">
             <a:extLst>
               <a:ext uri="{28A0092B-C50C-407E-A947-70E740481C1C}">
                 <a14:useLocalDpi xmlns:a14="http://schemas.microsoft.com/office/drawing/2010/main" val="0"/>
@@ -4481,6 +4471,269 @@
           </a:fontRef>
         </p:style>
       </p:cxnSp>
+      <p:sp>
+        <p:nvSpPr>
+          <p:cNvPr id="2" name="TextBox 1">
+            <a:extLst>
+              <a:ext uri="{FF2B5EF4-FFF2-40B4-BE49-F238E27FC236}">
+                <a16:creationId xmlns:a16="http://schemas.microsoft.com/office/drawing/2014/main" id="{B310518F-6E06-4552-934C-1A97FB0FD119}"/>
+              </a:ext>
+            </a:extLst>
+          </p:cNvPr>
+          <p:cNvSpPr txBox="1"/>
+          <p:nvPr/>
+        </p:nvSpPr>
+        <p:spPr>
+          <a:xfrm>
+            <a:off x="638013" y="476820"/>
+            <a:ext cx="1507218" cy="923330"/>
+          </a:xfrm>
+          <a:prstGeom prst="rect">
+            <a:avLst/>
+          </a:prstGeom>
+          <a:noFill/>
+        </p:spPr>
+        <p:txBody>
+          <a:bodyPr wrap="square" rtlCol="0">
+            <a:spAutoFit/>
+          </a:bodyPr>
+          <a:lstStyle/>
+          <a:p>
+            <a:r>
+              <a:rPr lang="pt-BR" sz="5400" b="1" dirty="0"/>
+              <a:t>LLD</a:t>
+            </a:r>
+          </a:p>
+        </p:txBody>
+      </p:sp>
+      <p:cxnSp>
+        <p:nvCxnSpPr>
+          <p:cNvPr id="31" name="Conector de Seta Reta 44">
+            <a:extLst>
+              <a:ext uri="{FF2B5EF4-FFF2-40B4-BE49-F238E27FC236}">
+                <a16:creationId xmlns:a16="http://schemas.microsoft.com/office/drawing/2014/main" id="{08E861E0-EB8D-4984-950E-84EBD2E5B364}"/>
+              </a:ext>
+            </a:extLst>
+          </p:cNvPr>
+          <p:cNvCxnSpPr>
+            <a:cxnSpLocks/>
+          </p:cNvCxnSpPr>
+          <p:nvPr/>
+        </p:nvCxnSpPr>
+        <p:spPr>
+          <a:xfrm flipH="1">
+            <a:off x="3498680" y="4028871"/>
+            <a:ext cx="311125" cy="451815"/>
+          </a:xfrm>
+          <a:prstGeom prst="straightConnector1">
+            <a:avLst/>
+          </a:prstGeom>
+          <a:ln w="38100">
+            <a:solidFill>
+              <a:schemeClr val="tx1">
+                <a:lumMod val="95000"/>
+                <a:lumOff val="5000"/>
+              </a:schemeClr>
+            </a:solidFill>
+            <a:headEnd type="triangle"/>
+            <a:tailEnd type="triangle"/>
+          </a:ln>
+        </p:spPr>
+        <p:style>
+          <a:lnRef idx="1">
+            <a:schemeClr val="accent1"/>
+          </a:lnRef>
+          <a:fillRef idx="0">
+            <a:schemeClr val="accent1"/>
+          </a:fillRef>
+          <a:effectRef idx="0">
+            <a:schemeClr val="accent1"/>
+          </a:effectRef>
+          <a:fontRef idx="minor">
+            <a:schemeClr val="tx1"/>
+          </a:fontRef>
+        </p:style>
+      </p:cxnSp>
+      <p:cxnSp>
+        <p:nvCxnSpPr>
+          <p:cNvPr id="32" name="Conector de Seta Reta 44">
+            <a:extLst>
+              <a:ext uri="{FF2B5EF4-FFF2-40B4-BE49-F238E27FC236}">
+                <a16:creationId xmlns:a16="http://schemas.microsoft.com/office/drawing/2014/main" id="{8130B163-E538-4604-A568-CF85F3B8E5EA}"/>
+              </a:ext>
+            </a:extLst>
+          </p:cNvPr>
+          <p:cNvCxnSpPr>
+            <a:cxnSpLocks/>
+          </p:cNvCxnSpPr>
+          <p:nvPr/>
+        </p:nvCxnSpPr>
+        <p:spPr>
+          <a:xfrm>
+            <a:off x="8501824" y="4028871"/>
+            <a:ext cx="356206" cy="491161"/>
+          </a:xfrm>
+          <a:prstGeom prst="straightConnector1">
+            <a:avLst/>
+          </a:prstGeom>
+          <a:ln w="38100">
+            <a:solidFill>
+              <a:schemeClr val="tx1">
+                <a:lumMod val="95000"/>
+                <a:lumOff val="5000"/>
+              </a:schemeClr>
+            </a:solidFill>
+            <a:headEnd type="triangle"/>
+            <a:tailEnd type="triangle"/>
+          </a:ln>
+        </p:spPr>
+        <p:style>
+          <a:lnRef idx="1">
+            <a:schemeClr val="accent1"/>
+          </a:lnRef>
+          <a:fillRef idx="0">
+            <a:schemeClr val="accent1"/>
+          </a:fillRef>
+          <a:effectRef idx="0">
+            <a:schemeClr val="accent1"/>
+          </a:effectRef>
+          <a:fontRef idx="minor">
+            <a:schemeClr val="tx1"/>
+          </a:fontRef>
+        </p:style>
+      </p:cxnSp>
+      <p:pic>
+        <p:nvPicPr>
+          <p:cNvPr id="35" name="Imagem 3" descr="Uma imagem contendo Calendário&#10;&#10;Descrição gerada automaticamente">
+            <a:extLst>
+              <a:ext uri="{FF2B5EF4-FFF2-40B4-BE49-F238E27FC236}">
+                <a16:creationId xmlns:a16="http://schemas.microsoft.com/office/drawing/2014/main" id="{80DF4532-ABE3-45B5-A9BD-F32CBF5EDF38}"/>
+              </a:ext>
+            </a:extLst>
+          </p:cNvPr>
+          <p:cNvPicPr>
+            <a:picLocks noChangeAspect="1"/>
+          </p:cNvPicPr>
+          <p:nvPr/>
+        </p:nvPicPr>
+        <p:blipFill>
+          <a:blip r:embed="rId2">
+            <a:extLst>
+              <a:ext uri="{28A0092B-C50C-407E-A947-70E740481C1C}">
+                <a14:useLocalDpi xmlns:a14="http://schemas.microsoft.com/office/drawing/2010/main" val="0"/>
+              </a:ext>
+            </a:extLst>
+          </a:blip>
+          <a:stretch>
+            <a:fillRect/>
+          </a:stretch>
+        </p:blipFill>
+        <p:spPr>
+          <a:xfrm>
+            <a:off x="3280494" y="4834614"/>
+            <a:ext cx="852050" cy="780971"/>
+          </a:xfrm>
+          <a:prstGeom prst="rect">
+            <a:avLst/>
+          </a:prstGeom>
+        </p:spPr>
+      </p:pic>
+      <p:pic>
+        <p:nvPicPr>
+          <p:cNvPr id="36" name="Imagem 5">
+            <a:extLst>
+              <a:ext uri="{FF2B5EF4-FFF2-40B4-BE49-F238E27FC236}">
+                <a16:creationId xmlns:a16="http://schemas.microsoft.com/office/drawing/2014/main" id="{3B9AEB68-68F9-4369-B780-22B4986AB865}"/>
+              </a:ext>
+            </a:extLst>
+          </p:cNvPr>
+          <p:cNvPicPr>
+            <a:picLocks noChangeAspect="1"/>
+          </p:cNvPicPr>
+          <p:nvPr/>
+        </p:nvPicPr>
+        <p:blipFill>
+          <a:blip r:embed="rId3"/>
+          <a:stretch>
+            <a:fillRect/>
+          </a:stretch>
+        </p:blipFill>
+        <p:spPr>
+          <a:xfrm>
+            <a:off x="4190356" y="4987979"/>
+            <a:ext cx="571189" cy="596688"/>
+          </a:xfrm>
+          <a:prstGeom prst="rect">
+            <a:avLst/>
+          </a:prstGeom>
+        </p:spPr>
+      </p:pic>
+      <p:pic>
+        <p:nvPicPr>
+          <p:cNvPr id="22" name="Picture 21">
+            <a:extLst>
+              <a:ext uri="{FF2B5EF4-FFF2-40B4-BE49-F238E27FC236}">
+                <a16:creationId xmlns:a16="http://schemas.microsoft.com/office/drawing/2014/main" id="{96B5C027-D3C5-47BC-8621-70261B47CB09}"/>
+              </a:ext>
+            </a:extLst>
+          </p:cNvPr>
+          <p:cNvPicPr>
+            <a:picLocks noChangeAspect="1"/>
+          </p:cNvPicPr>
+          <p:nvPr/>
+        </p:nvPicPr>
+        <p:blipFill>
+          <a:blip r:embed="rId14"/>
+          <a:stretch>
+            <a:fillRect/>
+          </a:stretch>
+        </p:blipFill>
+        <p:spPr>
+          <a:xfrm>
+            <a:off x="4079828" y="1126708"/>
+            <a:ext cx="1302806" cy="1302806"/>
+          </a:xfrm>
+          <a:prstGeom prst="rect">
+            <a:avLst/>
+          </a:prstGeom>
+        </p:spPr>
+      </p:pic>
+      <p:pic>
+        <p:nvPicPr>
+          <p:cNvPr id="26" name="Picture 25">
+            <a:extLst>
+              <a:ext uri="{FF2B5EF4-FFF2-40B4-BE49-F238E27FC236}">
+                <a16:creationId xmlns:a16="http://schemas.microsoft.com/office/drawing/2014/main" id="{38B03F43-E23E-4C4C-9F60-A82F28DFFAAE}"/>
+              </a:ext>
+            </a:extLst>
+          </p:cNvPr>
+          <p:cNvPicPr>
+            <a:picLocks noChangeAspect="1"/>
+          </p:cNvPicPr>
+          <p:nvPr/>
+        </p:nvPicPr>
+        <p:blipFill>
+          <a:blip r:embed="rId15">
+            <a:extLst>
+              <a:ext uri="{28A0092B-C50C-407E-A947-70E740481C1C}">
+                <a14:useLocalDpi xmlns:a14="http://schemas.microsoft.com/office/drawing/2010/main" val="0"/>
+              </a:ext>
+            </a:extLst>
+          </a:blip>
+          <a:stretch>
+            <a:fillRect/>
+          </a:stretch>
+        </p:blipFill>
+        <p:spPr>
+          <a:xfrm>
+            <a:off x="4063188" y="5701120"/>
+            <a:ext cx="1391727" cy="1391727"/>
+          </a:xfrm>
+          <a:prstGeom prst="rect">
+            <a:avLst/>
+          </a:prstGeom>
+        </p:spPr>
+      </p:pic>
     </p:spTree>
     <p:extLst>
       <p:ext uri="{BB962C8B-B14F-4D97-AF65-F5344CB8AC3E}">

--- a/Documentação/LLD.pptx
+++ b/Documentação/LLD.pptx
@@ -6,6 +6,7 @@
   </p:sldMasterIdLst>
   <p:sldIdLst>
     <p:sldId id="256" r:id="rId2"/>
+    <p:sldId id="257" r:id="rId3"/>
   </p:sldIdLst>
   <p:sldSz cx="12192000" cy="6858000"/>
   <p:notesSz cx="6858000" cy="9144000"/>
@@ -4747,6 +4748,716 @@
 </p:sld>
 </file>
 
+<file path=ppt/slides/slide2.xml><?xml version="1.0" encoding="utf-8"?>
+<p:sld xmlns:a="http://schemas.openxmlformats.org/drawingml/2006/main" xmlns:r="http://schemas.openxmlformats.org/officeDocument/2006/relationships" xmlns:p="http://schemas.openxmlformats.org/presentationml/2006/main">
+  <p:cSld>
+    <p:spTree>
+      <p:nvGrpSpPr>
+        <p:cNvPr id="1" name=""/>
+        <p:cNvGrpSpPr/>
+        <p:nvPr/>
+      </p:nvGrpSpPr>
+      <p:grpSpPr>
+        <a:xfrm>
+          <a:off x="0" y="0"/>
+          <a:ext cx="0" cy="0"/>
+          <a:chOff x="0" y="0"/>
+          <a:chExt cx="0" cy="0"/>
+        </a:xfrm>
+      </p:grpSpPr>
+      <p:grpSp>
+        <p:nvGrpSpPr>
+          <p:cNvPr id="9" name="Group 8">
+            <a:extLst>
+              <a:ext uri="{FF2B5EF4-FFF2-40B4-BE49-F238E27FC236}">
+                <a16:creationId xmlns:a16="http://schemas.microsoft.com/office/drawing/2014/main" id="{2894A60A-574E-4500-A9C2-13225F3577CE}"/>
+              </a:ext>
+            </a:extLst>
+          </p:cNvPr>
+          <p:cNvGrpSpPr/>
+          <p:nvPr/>
+        </p:nvGrpSpPr>
+        <p:grpSpPr>
+          <a:xfrm>
+            <a:off x="997633" y="708793"/>
+            <a:ext cx="2167598" cy="2245422"/>
+            <a:chOff x="1575581" y="1799039"/>
+            <a:chExt cx="2574388" cy="2574388"/>
+          </a:xfrm>
+        </p:grpSpPr>
+        <p:pic>
+          <p:nvPicPr>
+            <p:cNvPr id="8" name="Picture 7">
+              <a:extLst>
+                <a:ext uri="{FF2B5EF4-FFF2-40B4-BE49-F238E27FC236}">
+                  <a16:creationId xmlns:a16="http://schemas.microsoft.com/office/drawing/2014/main" id="{EDA81635-E9D1-453D-8C10-EADD13068F93}"/>
+                </a:ext>
+              </a:extLst>
+            </p:cNvPr>
+            <p:cNvPicPr>
+              <a:picLocks noChangeAspect="1"/>
+            </p:cNvPicPr>
+            <p:nvPr/>
+          </p:nvPicPr>
+          <p:blipFill rotWithShape="1">
+            <a:blip r:embed="rId2">
+              <a:extLst>
+                <a:ext uri="{28A0092B-C50C-407E-A947-70E740481C1C}">
+                  <a14:useLocalDpi xmlns:a14="http://schemas.microsoft.com/office/drawing/2010/main" val="0"/>
+                </a:ext>
+              </a:extLst>
+            </a:blip>
+            <a:srcRect l="11723" t="14000" r="12918" b="20330"/>
+            <a:stretch/>
+          </p:blipFill>
+          <p:spPr>
+            <a:xfrm>
+              <a:off x="1878036" y="2759479"/>
+              <a:ext cx="984739" cy="858129"/>
+            </a:xfrm>
+            <a:prstGeom prst="rect">
+              <a:avLst/>
+            </a:prstGeom>
+          </p:spPr>
+        </p:pic>
+        <p:pic>
+          <p:nvPicPr>
+            <p:cNvPr id="1028" name="Picture 4" descr="computador grátis ícone">
+              <a:extLst>
+                <a:ext uri="{FF2B5EF4-FFF2-40B4-BE49-F238E27FC236}">
+                  <a16:creationId xmlns:a16="http://schemas.microsoft.com/office/drawing/2014/main" id="{6A4D5C83-9870-4DD8-B3E7-62691771A653}"/>
+                </a:ext>
+              </a:extLst>
+            </p:cNvPr>
+            <p:cNvPicPr>
+              <a:picLocks noChangeAspect="1" noChangeArrowheads="1"/>
+            </p:cNvPicPr>
+            <p:nvPr/>
+          </p:nvPicPr>
+          <p:blipFill>
+            <a:blip r:embed="rId3">
+              <a:extLst>
+                <a:ext uri="{28A0092B-C50C-407E-A947-70E740481C1C}">
+                  <a14:useLocalDpi xmlns:a14="http://schemas.microsoft.com/office/drawing/2010/main" val="0"/>
+                </a:ext>
+              </a:extLst>
+            </a:blip>
+            <a:srcRect/>
+            <a:stretch>
+              <a:fillRect/>
+            </a:stretch>
+          </p:blipFill>
+          <p:spPr bwMode="auto">
+            <a:xfrm>
+              <a:off x="1575581" y="1799039"/>
+              <a:ext cx="2574388" cy="2574388"/>
+            </a:xfrm>
+            <a:prstGeom prst="rect">
+              <a:avLst/>
+            </a:prstGeom>
+            <a:noFill/>
+            <a:extLst>
+              <a:ext uri="{909E8E84-426E-40DD-AFC4-6F175D3DCCD1}">
+                <a14:hiddenFill xmlns:a14="http://schemas.microsoft.com/office/drawing/2010/main">
+                  <a:solidFill>
+                    <a:srgbClr val="FFFFFF"/>
+                  </a:solidFill>
+                </a14:hiddenFill>
+              </a:ext>
+            </a:extLst>
+          </p:spPr>
+        </p:pic>
+      </p:grpSp>
+      <p:pic>
+        <p:nvPicPr>
+          <p:cNvPr id="1030" name="Picture 6" descr="sinal wifi grátis ícone">
+            <a:extLst>
+              <a:ext uri="{FF2B5EF4-FFF2-40B4-BE49-F238E27FC236}">
+                <a16:creationId xmlns:a16="http://schemas.microsoft.com/office/drawing/2014/main" id="{79CA3446-026C-46D7-B62E-3FEC37C80134}"/>
+              </a:ext>
+            </a:extLst>
+          </p:cNvPr>
+          <p:cNvPicPr>
+            <a:picLocks noChangeAspect="1" noChangeArrowheads="1"/>
+          </p:cNvPicPr>
+          <p:nvPr/>
+        </p:nvPicPr>
+        <p:blipFill>
+          <a:blip r:embed="rId4">
+            <a:extLst>
+              <a:ext uri="{28A0092B-C50C-407E-A947-70E740481C1C}">
+                <a14:useLocalDpi xmlns:a14="http://schemas.microsoft.com/office/drawing/2010/main" val="0"/>
+              </a:ext>
+            </a:extLst>
+          </a:blip>
+          <a:srcRect/>
+          <a:stretch>
+            <a:fillRect/>
+          </a:stretch>
+        </p:blipFill>
+        <p:spPr bwMode="auto">
+          <a:xfrm>
+            <a:off x="4932934" y="1720880"/>
+            <a:ext cx="1056250" cy="1056250"/>
+          </a:xfrm>
+          <a:prstGeom prst="rect">
+            <a:avLst/>
+          </a:prstGeom>
+          <a:noFill/>
+          <a:extLst>
+            <a:ext uri="{909E8E84-426E-40DD-AFC4-6F175D3DCCD1}">
+              <a14:hiddenFill xmlns:a14="http://schemas.microsoft.com/office/drawing/2010/main">
+                <a:solidFill>
+                  <a:srgbClr val="FFFFFF"/>
+                </a:solidFill>
+              </a14:hiddenFill>
+            </a:ext>
+          </a:extLst>
+        </p:spPr>
+      </p:pic>
+      <p:pic>
+        <p:nvPicPr>
+          <p:cNvPr id="13" name="Picture 6">
+            <a:extLst>
+              <a:ext uri="{FF2B5EF4-FFF2-40B4-BE49-F238E27FC236}">
+                <a16:creationId xmlns:a16="http://schemas.microsoft.com/office/drawing/2014/main" id="{7D72E6AE-80B6-4134-960C-4BE25EA943EC}"/>
+              </a:ext>
+            </a:extLst>
+          </p:cNvPr>
+          <p:cNvPicPr>
+            <a:picLocks noChangeAspect="1" noChangeArrowheads="1"/>
+          </p:cNvPicPr>
+          <p:nvPr/>
+        </p:nvPicPr>
+        <p:blipFill>
+          <a:blip r:embed="rId5">
+            <a:extLst>
+              <a:ext uri="{28A0092B-C50C-407E-A947-70E740481C1C}">
+                <a14:useLocalDpi xmlns:a14="http://schemas.microsoft.com/office/drawing/2010/main" val="0"/>
+              </a:ext>
+            </a:extLst>
+          </a:blip>
+          <a:srcRect/>
+          <a:stretch>
+            <a:fillRect/>
+          </a:stretch>
+        </p:blipFill>
+        <p:spPr bwMode="auto">
+          <a:xfrm>
+            <a:off x="8561247" y="2581164"/>
+            <a:ext cx="1355873" cy="391932"/>
+          </a:xfrm>
+          <a:prstGeom prst="rect">
+            <a:avLst/>
+          </a:prstGeom>
+          <a:noFill/>
+          <a:extLst>
+            <a:ext uri="{909E8E84-426E-40DD-AFC4-6F175D3DCCD1}">
+              <a14:hiddenFill xmlns:a14="http://schemas.microsoft.com/office/drawing/2010/main">
+                <a:solidFill>
+                  <a:srgbClr val="FFFFFF"/>
+                </a:solidFill>
+              </a14:hiddenFill>
+            </a:ext>
+          </a:extLst>
+        </p:spPr>
+      </p:pic>
+      <p:pic>
+        <p:nvPicPr>
+          <p:cNvPr id="1032" name="Picture 8" descr="nuvem grátis ícone">
+            <a:extLst>
+              <a:ext uri="{FF2B5EF4-FFF2-40B4-BE49-F238E27FC236}">
+                <a16:creationId xmlns:a16="http://schemas.microsoft.com/office/drawing/2014/main" id="{540C574A-D259-4F66-BDF1-3EF85641F4F6}"/>
+              </a:ext>
+            </a:extLst>
+          </p:cNvPr>
+          <p:cNvPicPr>
+            <a:picLocks noChangeAspect="1" noChangeArrowheads="1"/>
+          </p:cNvPicPr>
+          <p:nvPr/>
+        </p:nvPicPr>
+        <p:blipFill>
+          <a:blip r:embed="rId6">
+            <a:extLst>
+              <a:ext uri="{28A0092B-C50C-407E-A947-70E740481C1C}">
+                <a14:useLocalDpi xmlns:a14="http://schemas.microsoft.com/office/drawing/2010/main" val="0"/>
+              </a:ext>
+            </a:extLst>
+          </a:blip>
+          <a:srcRect/>
+          <a:stretch>
+            <a:fillRect/>
+          </a:stretch>
+        </p:blipFill>
+        <p:spPr bwMode="auto">
+          <a:xfrm>
+            <a:off x="8109277" y="356383"/>
+            <a:ext cx="3475613" cy="3475613"/>
+          </a:xfrm>
+          <a:prstGeom prst="rect">
+            <a:avLst/>
+          </a:prstGeom>
+          <a:noFill/>
+          <a:extLst>
+            <a:ext uri="{909E8E84-426E-40DD-AFC4-6F175D3DCCD1}">
+              <a14:hiddenFill xmlns:a14="http://schemas.microsoft.com/office/drawing/2010/main">
+                <a:solidFill>
+                  <a:srgbClr val="FFFFFF"/>
+                </a:solidFill>
+              </a14:hiddenFill>
+            </a:ext>
+          </a:extLst>
+        </p:spPr>
+      </p:pic>
+      <p:pic>
+        <p:nvPicPr>
+          <p:cNvPr id="19" name="Picture 4" descr="computador grátis ícone">
+            <a:extLst>
+              <a:ext uri="{FF2B5EF4-FFF2-40B4-BE49-F238E27FC236}">
+                <a16:creationId xmlns:a16="http://schemas.microsoft.com/office/drawing/2014/main" id="{18DB958B-0CD6-4539-A90D-13EFCB65FF17}"/>
+              </a:ext>
+            </a:extLst>
+          </p:cNvPr>
+          <p:cNvPicPr>
+            <a:picLocks noChangeAspect="1" noChangeArrowheads="1"/>
+          </p:cNvPicPr>
+          <p:nvPr/>
+        </p:nvPicPr>
+        <p:blipFill>
+          <a:blip r:embed="rId3">
+            <a:extLst>
+              <a:ext uri="{28A0092B-C50C-407E-A947-70E740481C1C}">
+                <a14:useLocalDpi xmlns:a14="http://schemas.microsoft.com/office/drawing/2010/main" val="0"/>
+              </a:ext>
+            </a:extLst>
+          </a:blip>
+          <a:srcRect/>
+          <a:stretch>
+            <a:fillRect/>
+          </a:stretch>
+        </p:blipFill>
+        <p:spPr bwMode="auto">
+          <a:xfrm>
+            <a:off x="5083134" y="4176189"/>
+            <a:ext cx="2167598" cy="2245422"/>
+          </a:xfrm>
+          <a:prstGeom prst="rect">
+            <a:avLst/>
+          </a:prstGeom>
+          <a:noFill/>
+          <a:extLst>
+            <a:ext uri="{909E8E84-426E-40DD-AFC4-6F175D3DCCD1}">
+              <a14:hiddenFill xmlns:a14="http://schemas.microsoft.com/office/drawing/2010/main">
+                <a:solidFill>
+                  <a:srgbClr val="FFFFFF"/>
+                </a:solidFill>
+              </a14:hiddenFill>
+            </a:ext>
+          </a:extLst>
+        </p:spPr>
+      </p:pic>
+      <p:pic>
+        <p:nvPicPr>
+          <p:cNvPr id="1034" name="Picture 10" descr="seta dupla diagonal grátis ícone">
+            <a:extLst>
+              <a:ext uri="{FF2B5EF4-FFF2-40B4-BE49-F238E27FC236}">
+                <a16:creationId xmlns:a16="http://schemas.microsoft.com/office/drawing/2014/main" id="{82F15CA8-37EC-47DD-AEC5-8A0F4BD27952}"/>
+              </a:ext>
+            </a:extLst>
+          </p:cNvPr>
+          <p:cNvPicPr>
+            <a:picLocks noChangeAspect="1" noChangeArrowheads="1"/>
+          </p:cNvPicPr>
+          <p:nvPr/>
+        </p:nvPicPr>
+        <p:blipFill>
+          <a:blip r:embed="rId7">
+            <a:extLst>
+              <a:ext uri="{28A0092B-C50C-407E-A947-70E740481C1C}">
+                <a14:useLocalDpi xmlns:a14="http://schemas.microsoft.com/office/drawing/2010/main" val="0"/>
+              </a:ext>
+            </a:extLst>
+          </a:blip>
+          <a:srcRect/>
+          <a:stretch>
+            <a:fillRect/>
+          </a:stretch>
+        </p:blipFill>
+        <p:spPr bwMode="auto">
+          <a:xfrm rot="18813613">
+            <a:off x="3690178" y="1869383"/>
+            <a:ext cx="717809" cy="717809"/>
+          </a:xfrm>
+          <a:prstGeom prst="rect">
+            <a:avLst/>
+          </a:prstGeom>
+          <a:noFill/>
+          <a:extLst>
+            <a:ext uri="{909E8E84-426E-40DD-AFC4-6F175D3DCCD1}">
+              <a14:hiddenFill xmlns:a14="http://schemas.microsoft.com/office/drawing/2010/main">
+                <a:solidFill>
+                  <a:srgbClr val="FFFFFF"/>
+                </a:solidFill>
+              </a14:hiddenFill>
+            </a:ext>
+          </a:extLst>
+        </p:spPr>
+      </p:pic>
+      <p:pic>
+        <p:nvPicPr>
+          <p:cNvPr id="21" name="Picture 10" descr="seta dupla diagonal grátis ícone">
+            <a:extLst>
+              <a:ext uri="{FF2B5EF4-FFF2-40B4-BE49-F238E27FC236}">
+                <a16:creationId xmlns:a16="http://schemas.microsoft.com/office/drawing/2014/main" id="{573BB59E-1A46-4C75-955C-4FD0DBE4FCE1}"/>
+              </a:ext>
+            </a:extLst>
+          </p:cNvPr>
+          <p:cNvPicPr>
+            <a:picLocks noChangeAspect="1" noChangeArrowheads="1"/>
+          </p:cNvPicPr>
+          <p:nvPr/>
+        </p:nvPicPr>
+        <p:blipFill>
+          <a:blip r:embed="rId7">
+            <a:extLst>
+              <a:ext uri="{28A0092B-C50C-407E-A947-70E740481C1C}">
+                <a14:useLocalDpi xmlns:a14="http://schemas.microsoft.com/office/drawing/2010/main" val="0"/>
+              </a:ext>
+            </a:extLst>
+          </a:blip>
+          <a:srcRect/>
+          <a:stretch>
+            <a:fillRect/>
+          </a:stretch>
+        </p:blipFill>
+        <p:spPr bwMode="auto">
+          <a:xfrm rot="18813613">
+            <a:off x="6721117" y="1834716"/>
+            <a:ext cx="717809" cy="717809"/>
+          </a:xfrm>
+          <a:prstGeom prst="rect">
+            <a:avLst/>
+          </a:prstGeom>
+          <a:noFill/>
+          <a:extLst>
+            <a:ext uri="{909E8E84-426E-40DD-AFC4-6F175D3DCCD1}">
+              <a14:hiddenFill xmlns:a14="http://schemas.microsoft.com/office/drawing/2010/main">
+                <a:solidFill>
+                  <a:srgbClr val="FFFFFF"/>
+                </a:solidFill>
+              </a14:hiddenFill>
+            </a:ext>
+          </a:extLst>
+        </p:spPr>
+      </p:pic>
+      <p:pic>
+        <p:nvPicPr>
+          <p:cNvPr id="22" name="Picture 10" descr="seta dupla diagonal grátis ícone">
+            <a:extLst>
+              <a:ext uri="{FF2B5EF4-FFF2-40B4-BE49-F238E27FC236}">
+                <a16:creationId xmlns:a16="http://schemas.microsoft.com/office/drawing/2014/main" id="{86447FF6-BB9B-4414-8885-0CCD300840A8}"/>
+              </a:ext>
+            </a:extLst>
+          </p:cNvPr>
+          <p:cNvPicPr>
+            <a:picLocks noChangeAspect="1" noChangeArrowheads="1"/>
+          </p:cNvPicPr>
+          <p:nvPr/>
+        </p:nvPicPr>
+        <p:blipFill>
+          <a:blip r:embed="rId7">
+            <a:extLst>
+              <a:ext uri="{28A0092B-C50C-407E-A947-70E740481C1C}">
+                <a14:useLocalDpi xmlns:a14="http://schemas.microsoft.com/office/drawing/2010/main" val="0"/>
+              </a:ext>
+            </a:extLst>
+          </a:blip>
+          <a:srcRect/>
+          <a:stretch>
+            <a:fillRect/>
+          </a:stretch>
+        </p:blipFill>
+        <p:spPr bwMode="auto">
+          <a:xfrm rot="18813613">
+            <a:off x="7925940" y="5190465"/>
+            <a:ext cx="717809" cy="717809"/>
+          </a:xfrm>
+          <a:prstGeom prst="rect">
+            <a:avLst/>
+          </a:prstGeom>
+          <a:noFill/>
+          <a:extLst>
+            <a:ext uri="{909E8E84-426E-40DD-AFC4-6F175D3DCCD1}">
+              <a14:hiddenFill xmlns:a14="http://schemas.microsoft.com/office/drawing/2010/main">
+                <a:solidFill>
+                  <a:srgbClr val="FFFFFF"/>
+                </a:solidFill>
+              </a14:hiddenFill>
+            </a:ext>
+          </a:extLst>
+        </p:spPr>
+      </p:pic>
+      <p:pic>
+        <p:nvPicPr>
+          <p:cNvPr id="23" name="Picture 6" descr="sinal wifi grátis ícone">
+            <a:extLst>
+              <a:ext uri="{FF2B5EF4-FFF2-40B4-BE49-F238E27FC236}">
+                <a16:creationId xmlns:a16="http://schemas.microsoft.com/office/drawing/2014/main" id="{2FEB91CC-94D2-42D3-9AA4-813694A08B68}"/>
+              </a:ext>
+            </a:extLst>
+          </p:cNvPr>
+          <p:cNvPicPr>
+            <a:picLocks noChangeAspect="1" noChangeArrowheads="1"/>
+          </p:cNvPicPr>
+          <p:nvPr/>
+        </p:nvPicPr>
+        <p:blipFill>
+          <a:blip r:embed="rId4">
+            <a:extLst>
+              <a:ext uri="{28A0092B-C50C-407E-A947-70E740481C1C}">
+                <a14:useLocalDpi xmlns:a14="http://schemas.microsoft.com/office/drawing/2010/main" val="0"/>
+              </a:ext>
+            </a:extLst>
+          </a:blip>
+          <a:srcRect/>
+          <a:stretch>
+            <a:fillRect/>
+          </a:stretch>
+        </p:blipFill>
+        <p:spPr bwMode="auto">
+          <a:xfrm>
+            <a:off x="9318958" y="4955119"/>
+            <a:ext cx="1056250" cy="1056250"/>
+          </a:xfrm>
+          <a:prstGeom prst="rect">
+            <a:avLst/>
+          </a:prstGeom>
+          <a:noFill/>
+          <a:extLst>
+            <a:ext uri="{909E8E84-426E-40DD-AFC4-6F175D3DCCD1}">
+              <a14:hiddenFill xmlns:a14="http://schemas.microsoft.com/office/drawing/2010/main">
+                <a:solidFill>
+                  <a:srgbClr val="FFFFFF"/>
+                </a:solidFill>
+              </a14:hiddenFill>
+            </a:ext>
+          </a:extLst>
+        </p:spPr>
+      </p:pic>
+      <p:pic>
+        <p:nvPicPr>
+          <p:cNvPr id="24" name="Picture 10" descr="seta dupla diagonal grátis ícone">
+            <a:extLst>
+              <a:ext uri="{FF2B5EF4-FFF2-40B4-BE49-F238E27FC236}">
+                <a16:creationId xmlns:a16="http://schemas.microsoft.com/office/drawing/2014/main" id="{A8B02400-62B9-45B9-AB22-AE5A214B5B53}"/>
+              </a:ext>
+            </a:extLst>
+          </p:cNvPr>
+          <p:cNvPicPr>
+            <a:picLocks noChangeAspect="1" noChangeArrowheads="1"/>
+          </p:cNvPicPr>
+          <p:nvPr/>
+        </p:nvPicPr>
+        <p:blipFill>
+          <a:blip r:embed="rId7">
+            <a:extLst>
+              <a:ext uri="{28A0092B-C50C-407E-A947-70E740481C1C}">
+                <a14:useLocalDpi xmlns:a14="http://schemas.microsoft.com/office/drawing/2010/main" val="0"/>
+              </a:ext>
+            </a:extLst>
+          </a:blip>
+          <a:srcRect/>
+          <a:stretch>
+            <a:fillRect/>
+          </a:stretch>
+        </p:blipFill>
+        <p:spPr bwMode="auto">
+          <a:xfrm rot="2604496">
+            <a:off x="9467426" y="3737315"/>
+            <a:ext cx="717809" cy="717809"/>
+          </a:xfrm>
+          <a:prstGeom prst="rect">
+            <a:avLst/>
+          </a:prstGeom>
+          <a:noFill/>
+          <a:extLst>
+            <a:ext uri="{909E8E84-426E-40DD-AFC4-6F175D3DCCD1}">
+              <a14:hiddenFill xmlns:a14="http://schemas.microsoft.com/office/drawing/2010/main">
+                <a:solidFill>
+                  <a:srgbClr val="FFFFFF"/>
+                </a:solidFill>
+              </a14:hiddenFill>
+            </a:ext>
+          </a:extLst>
+        </p:spPr>
+      </p:pic>
+      <p:pic>
+        <p:nvPicPr>
+          <p:cNvPr id="25" name="Picture 24">
+            <a:extLst>
+              <a:ext uri="{FF2B5EF4-FFF2-40B4-BE49-F238E27FC236}">
+                <a16:creationId xmlns:a16="http://schemas.microsoft.com/office/drawing/2014/main" id="{6B81AD97-D283-419B-BCE2-52B542898F5C}"/>
+              </a:ext>
+            </a:extLst>
+          </p:cNvPr>
+          <p:cNvPicPr>
+            <a:picLocks noChangeAspect="1"/>
+          </p:cNvPicPr>
+          <p:nvPr/>
+        </p:nvPicPr>
+        <p:blipFill>
+          <a:blip r:embed="rId8"/>
+          <a:stretch>
+            <a:fillRect/>
+          </a:stretch>
+        </p:blipFill>
+        <p:spPr>
+          <a:xfrm>
+            <a:off x="9968625" y="1441903"/>
+            <a:ext cx="853106" cy="853106"/>
+          </a:xfrm>
+          <a:prstGeom prst="rect">
+            <a:avLst/>
+          </a:prstGeom>
+        </p:spPr>
+      </p:pic>
+      <p:pic>
+        <p:nvPicPr>
+          <p:cNvPr id="26" name="Picture 4" descr="css grátis ícone">
+            <a:extLst>
+              <a:ext uri="{FF2B5EF4-FFF2-40B4-BE49-F238E27FC236}">
+                <a16:creationId xmlns:a16="http://schemas.microsoft.com/office/drawing/2014/main" id="{C29F58E0-F4C6-47BB-9D8E-C1E945A87624}"/>
+              </a:ext>
+            </a:extLst>
+          </p:cNvPr>
+          <p:cNvPicPr>
+            <a:picLocks noChangeAspect="1" noChangeArrowheads="1"/>
+          </p:cNvPicPr>
+          <p:nvPr/>
+        </p:nvPicPr>
+        <p:blipFill>
+          <a:blip r:embed="rId9">
+            <a:extLst>
+              <a:ext uri="{28A0092B-C50C-407E-A947-70E740481C1C}">
+                <a14:useLocalDpi xmlns:a14="http://schemas.microsoft.com/office/drawing/2010/main" val="0"/>
+              </a:ext>
+            </a:extLst>
+          </a:blip>
+          <a:srcRect/>
+          <a:stretch>
+            <a:fillRect/>
+          </a:stretch>
+        </p:blipFill>
+        <p:spPr bwMode="auto">
+          <a:xfrm>
+            <a:off x="8561247" y="1858697"/>
+            <a:ext cx="676422" cy="676422"/>
+          </a:xfrm>
+          <a:prstGeom prst="rect">
+            <a:avLst/>
+          </a:prstGeom>
+          <a:noFill/>
+          <a:extLst>
+            <a:ext uri="{909E8E84-426E-40DD-AFC4-6F175D3DCCD1}">
+              <a14:hiddenFill xmlns:a14="http://schemas.microsoft.com/office/drawing/2010/main">
+                <a:solidFill>
+                  <a:srgbClr val="FFFFFF"/>
+                </a:solidFill>
+              </a14:hiddenFill>
+            </a:ext>
+          </a:extLst>
+        </p:spPr>
+      </p:pic>
+      <p:pic>
+        <p:nvPicPr>
+          <p:cNvPr id="27" name="Picture 2" descr="java grátis ícone">
+            <a:extLst>
+              <a:ext uri="{FF2B5EF4-FFF2-40B4-BE49-F238E27FC236}">
+                <a16:creationId xmlns:a16="http://schemas.microsoft.com/office/drawing/2014/main" id="{CBC6178D-6DD4-4368-B7F1-D8F691295F2D}"/>
+              </a:ext>
+            </a:extLst>
+          </p:cNvPr>
+          <p:cNvPicPr>
+            <a:picLocks noChangeAspect="1" noChangeArrowheads="1"/>
+          </p:cNvPicPr>
+          <p:nvPr/>
+        </p:nvPicPr>
+        <p:blipFill>
+          <a:blip r:embed="rId10">
+            <a:extLst>
+              <a:ext uri="{28A0092B-C50C-407E-A947-70E740481C1C}">
+                <a14:useLocalDpi xmlns:a14="http://schemas.microsoft.com/office/drawing/2010/main" val="0"/>
+              </a:ext>
+            </a:extLst>
+          </a:blip>
+          <a:srcRect/>
+          <a:stretch>
+            <a:fillRect/>
+          </a:stretch>
+        </p:blipFill>
+        <p:spPr bwMode="auto">
+          <a:xfrm>
+            <a:off x="9127742" y="1788564"/>
+            <a:ext cx="745588" cy="745588"/>
+          </a:xfrm>
+          <a:prstGeom prst="rect">
+            <a:avLst/>
+          </a:prstGeom>
+          <a:noFill/>
+          <a:extLst>
+            <a:ext uri="{909E8E84-426E-40DD-AFC4-6F175D3DCCD1}">
+              <a14:hiddenFill xmlns:a14="http://schemas.microsoft.com/office/drawing/2010/main">
+                <a:solidFill>
+                  <a:srgbClr val="FFFFFF"/>
+                </a:solidFill>
+              </a14:hiddenFill>
+            </a:ext>
+          </a:extLst>
+        </p:spPr>
+      </p:pic>
+      <p:pic>
+        <p:nvPicPr>
+          <p:cNvPr id="28" name="Imagem 18">
+            <a:extLst>
+              <a:ext uri="{FF2B5EF4-FFF2-40B4-BE49-F238E27FC236}">
+                <a16:creationId xmlns:a16="http://schemas.microsoft.com/office/drawing/2014/main" id="{3F552D8A-424A-48CF-9DF2-B4036B6F4B4D}"/>
+              </a:ext>
+            </a:extLst>
+          </p:cNvPr>
+          <p:cNvPicPr>
+            <a:picLocks noChangeAspect="1"/>
+          </p:cNvPicPr>
+          <p:nvPr/>
+        </p:nvPicPr>
+        <p:blipFill>
+          <a:blip r:embed="rId11"/>
+          <a:stretch>
+            <a:fillRect/>
+          </a:stretch>
+        </p:blipFill>
+        <p:spPr>
+          <a:xfrm>
+            <a:off x="9975372" y="2366918"/>
+            <a:ext cx="1259593" cy="428491"/>
+          </a:xfrm>
+          <a:prstGeom prst="rect">
+            <a:avLst/>
+          </a:prstGeom>
+        </p:spPr>
+      </p:pic>
+    </p:spTree>
+    <p:extLst>
+      <p:ext uri="{BB962C8B-B14F-4D97-AF65-F5344CB8AC3E}">
+        <p14:creationId xmlns:p14="http://schemas.microsoft.com/office/powerpoint/2010/main" val="1558677680"/>
+      </p:ext>
+    </p:extLst>
+  </p:cSld>
+  <p:clrMapOvr>
+    <a:masterClrMapping/>
+  </p:clrMapOvr>
+</p:sld>
+</file>
+
 <file path=ppt/theme/theme1.xml><?xml version="1.0" encoding="utf-8"?>
 <a:theme xmlns:a="http://schemas.openxmlformats.org/drawingml/2006/main" name="Tema do Office">
   <a:themeElements>
